--- a/Hackathon_Khushboo.pptx
+++ b/Hackathon_Khushboo.pptx
@@ -947,17 +947,17 @@
           <a:noFill/>
           <a:extLst>
             <a:ext uri="{FAA26D3D-D897-4be2-8F04-BA451C77F1D7}">
-              <ma14:placeholderFlag xmlns="" xmlns:ma14="http://schemas.microsoft.com/office/mac/drawingml/2011/main" val="1"/>
+              <ma14:placeholderFlag xmlns:ma14="http://schemas.microsoft.com/office/mac/drawingml/2011/main" xmlns="" val="1"/>
             </a:ext>
             <a:ext uri="{909E8E84-426E-40dd-AFC4-6F175D3DCCD1}">
-              <a14:hiddenFill xmlns:a14="http://schemas.microsoft.com/office/drawing/2010/main" xmlns="">
+              <a14:hiddenFill xmlns="" xmlns:a14="http://schemas.microsoft.com/office/drawing/2010/main">
                 <a:solidFill>
                   <a:srgbClr val="FFFFFF"/>
                 </a:solidFill>
               </a14:hiddenFill>
             </a:ext>
             <a:ext uri="{91240B29-F687-4f45-9708-019B960494DF}">
-              <a14:hiddenLine xmlns:a14="http://schemas.microsoft.com/office/drawing/2010/main" xmlns="" w="9525">
+              <a14:hiddenLine xmlns="" xmlns:a14="http://schemas.microsoft.com/office/drawing/2010/main" w="9525">
                 <a:solidFill>
                   <a:srgbClr val="000000"/>
                 </a:solidFill>
@@ -1099,17 +1099,17 @@
           <a:noFill/>
           <a:extLst>
             <a:ext uri="{FAA26D3D-D897-4be2-8F04-BA451C77F1D7}">
-              <ma14:placeholderFlag xmlns="" xmlns:ma14="http://schemas.microsoft.com/office/mac/drawingml/2011/main" val="1"/>
+              <ma14:placeholderFlag xmlns:ma14="http://schemas.microsoft.com/office/mac/drawingml/2011/main" xmlns="" val="1"/>
             </a:ext>
             <a:ext uri="{909E8E84-426E-40dd-AFC4-6F175D3DCCD1}">
-              <a14:hiddenFill xmlns:a14="http://schemas.microsoft.com/office/drawing/2010/main" xmlns="">
+              <a14:hiddenFill xmlns="" xmlns:a14="http://schemas.microsoft.com/office/drawing/2010/main">
                 <a:solidFill>
                   <a:srgbClr val="FFFFFF"/>
                 </a:solidFill>
               </a14:hiddenFill>
             </a:ext>
             <a:ext uri="{91240B29-F687-4f45-9708-019B960494DF}">
-              <a14:hiddenLine xmlns:a14="http://schemas.microsoft.com/office/drawing/2010/main" xmlns="" w="9525">
+              <a14:hiddenLine xmlns="" xmlns:a14="http://schemas.microsoft.com/office/drawing/2010/main" w="9525">
                 <a:solidFill>
                   <a:srgbClr val="000000"/>
                 </a:solidFill>
@@ -1250,17 +1250,17 @@
           <a:noFill/>
           <a:extLst>
             <a:ext uri="{FAA26D3D-D897-4be2-8F04-BA451C77F1D7}">
-              <ma14:placeholderFlag xmlns="" xmlns:ma14="http://schemas.microsoft.com/office/mac/drawingml/2011/main" val="1"/>
+              <ma14:placeholderFlag xmlns:ma14="http://schemas.microsoft.com/office/mac/drawingml/2011/main" xmlns="" val="1"/>
             </a:ext>
             <a:ext uri="{909E8E84-426E-40dd-AFC4-6F175D3DCCD1}">
-              <a14:hiddenFill xmlns:a14="http://schemas.microsoft.com/office/drawing/2010/main" xmlns="">
+              <a14:hiddenFill xmlns="" xmlns:a14="http://schemas.microsoft.com/office/drawing/2010/main">
                 <a:solidFill>
                   <a:srgbClr val="FFFFFF"/>
                 </a:solidFill>
               </a14:hiddenFill>
             </a:ext>
             <a:ext uri="{91240B29-F687-4f45-9708-019B960494DF}">
-              <a14:hiddenLine xmlns:a14="http://schemas.microsoft.com/office/drawing/2010/main" xmlns="" w="9525">
+              <a14:hiddenLine xmlns="" xmlns:a14="http://schemas.microsoft.com/office/drawing/2010/main" w="9525">
                 <a:solidFill>
                   <a:srgbClr val="000000"/>
                 </a:solidFill>
@@ -1539,14 +1539,14 @@
           </a:ln>
           <a:extLst>
             <a:ext uri="{909E8E84-426E-40dd-AFC4-6F175D3DCCD1}">
-              <a14:hiddenFill xmlns:a14="http://schemas.microsoft.com/office/drawing/2010/main" xmlns="">
+              <a14:hiddenFill xmlns="" xmlns:a14="http://schemas.microsoft.com/office/drawing/2010/main">
                 <a:solidFill>
                   <a:srgbClr val="FFFFFF"/>
                 </a:solidFill>
               </a14:hiddenFill>
             </a:ext>
             <a:ext uri="{91240B29-F687-4f45-9708-019B960494DF}">
-              <a14:hiddenLine xmlns:a14="http://schemas.microsoft.com/office/drawing/2010/main" xmlns="" w="9525">
+              <a14:hiddenLine xmlns="" xmlns:a14="http://schemas.microsoft.com/office/drawing/2010/main" w="9525">
                 <a:solidFill>
                   <a:srgbClr val="000000"/>
                 </a:solidFill>
@@ -1609,17 +1609,17 @@
           <a:noFill/>
           <a:extLst>
             <a:ext uri="{FAA26D3D-D897-4be2-8F04-BA451C77F1D7}">
-              <ma14:placeholderFlag xmlns="" xmlns:ma14="http://schemas.microsoft.com/office/mac/drawingml/2011/main" val="1"/>
+              <ma14:placeholderFlag xmlns:ma14="http://schemas.microsoft.com/office/mac/drawingml/2011/main" xmlns="" val="1"/>
             </a:ext>
             <a:ext uri="{909E8E84-426E-40dd-AFC4-6F175D3DCCD1}">
-              <a14:hiddenFill xmlns:a14="http://schemas.microsoft.com/office/drawing/2010/main" xmlns="">
+              <a14:hiddenFill xmlns="" xmlns:a14="http://schemas.microsoft.com/office/drawing/2010/main">
                 <a:solidFill>
                   <a:srgbClr val="FFFFFF"/>
                 </a:solidFill>
               </a14:hiddenFill>
             </a:ext>
             <a:ext uri="{91240B29-F687-4f45-9708-019B960494DF}">
-              <a14:hiddenLine xmlns:a14="http://schemas.microsoft.com/office/drawing/2010/main" xmlns="" w="9525">
+              <a14:hiddenLine xmlns="" xmlns:a14="http://schemas.microsoft.com/office/drawing/2010/main" w="9525">
                 <a:solidFill>
                   <a:srgbClr val="000000"/>
                 </a:solidFill>
@@ -1760,17 +1760,17 @@
           <a:noFill/>
           <a:extLst>
             <a:ext uri="{FAA26D3D-D897-4be2-8F04-BA451C77F1D7}">
-              <ma14:placeholderFlag xmlns="" xmlns:ma14="http://schemas.microsoft.com/office/mac/drawingml/2011/main" val="1"/>
+              <ma14:placeholderFlag xmlns:ma14="http://schemas.microsoft.com/office/mac/drawingml/2011/main" xmlns="" val="1"/>
             </a:ext>
             <a:ext uri="{909E8E84-426E-40dd-AFC4-6F175D3DCCD1}">
-              <a14:hiddenFill xmlns:a14="http://schemas.microsoft.com/office/drawing/2010/main" xmlns="">
+              <a14:hiddenFill xmlns="" xmlns:a14="http://schemas.microsoft.com/office/drawing/2010/main">
                 <a:solidFill>
                   <a:srgbClr val="FFFFFF"/>
                 </a:solidFill>
               </a14:hiddenFill>
             </a:ext>
             <a:ext uri="{91240B29-F687-4f45-9708-019B960494DF}">
-              <a14:hiddenLine xmlns:a14="http://schemas.microsoft.com/office/drawing/2010/main" xmlns="" w="9525">
+              <a14:hiddenLine xmlns="" xmlns:a14="http://schemas.microsoft.com/office/drawing/2010/main" w="9525">
                 <a:solidFill>
                   <a:srgbClr val="000000"/>
                 </a:solidFill>
@@ -1942,17 +1942,17 @@
           <a:noFill/>
           <a:extLst>
             <a:ext uri="{FAA26D3D-D897-4be2-8F04-BA451C77F1D7}">
-              <ma14:placeholderFlag xmlns="" xmlns:ma14="http://schemas.microsoft.com/office/mac/drawingml/2011/main" val="1"/>
+              <ma14:placeholderFlag xmlns:ma14="http://schemas.microsoft.com/office/mac/drawingml/2011/main" xmlns="" val="1"/>
             </a:ext>
             <a:ext uri="{909E8E84-426E-40dd-AFC4-6F175D3DCCD1}">
-              <a14:hiddenFill xmlns:a14="http://schemas.microsoft.com/office/drawing/2010/main" xmlns="">
+              <a14:hiddenFill xmlns="" xmlns:a14="http://schemas.microsoft.com/office/drawing/2010/main">
                 <a:solidFill>
                   <a:srgbClr val="FFFFFF"/>
                 </a:solidFill>
               </a14:hiddenFill>
             </a:ext>
             <a:ext uri="{91240B29-F687-4f45-9708-019B960494DF}">
-              <a14:hiddenLine xmlns:a14="http://schemas.microsoft.com/office/drawing/2010/main" xmlns="" w="9525">
+              <a14:hiddenLine xmlns="" xmlns:a14="http://schemas.microsoft.com/office/drawing/2010/main" w="9525">
                 <a:solidFill>
                   <a:srgbClr val="000000"/>
                 </a:solidFill>
@@ -3554,18 +3554,11 @@
           <a:p>
             <a:pPr algn="ctr"/>
             <a:r>
-              <a:rPr lang="en-US" sz="2800" b="1" dirty="0" err="1">
-                <a:latin typeface="+mn-lt"/>
-                <a:cs typeface="Arial" panose="020B0604020202020204" pitchFamily="34" charset="0"/>
-              </a:rPr>
-              <a:t>Impedence</a:t>
-            </a:r>
-            <a:r>
               <a:rPr lang="en-US" sz="2800" b="1" dirty="0">
                 <a:latin typeface="+mn-lt"/>
                 <a:cs typeface="Arial" panose="020B0604020202020204" pitchFamily="34" charset="0"/>
               </a:rPr>
-              <a:t> values for lower and upper interval</a:t>
+              <a:t>Impedance values for lower and upper interval</a:t>
             </a:r>
           </a:p>
           <a:p>
